--- a/slides/mvc.pptx
+++ b/slides/mvc.pptx
@@ -8,8 +8,14 @@
     <p:sldId id="256" r:id="rId2"/>
     <p:sldId id="258" r:id="rId3"/>
     <p:sldId id="259" r:id="rId4"/>
-    <p:sldId id="260" r:id="rId5"/>
-    <p:sldId id="257" r:id="rId6"/>
+    <p:sldId id="264" r:id="rId5"/>
+    <p:sldId id="265" r:id="rId6"/>
+    <p:sldId id="266" r:id="rId7"/>
+    <p:sldId id="260" r:id="rId8"/>
+    <p:sldId id="261" r:id="rId9"/>
+    <p:sldId id="262" r:id="rId10"/>
+    <p:sldId id="263" r:id="rId11"/>
+    <p:sldId id="257" r:id="rId12"/>
   </p:sldIdLst>
   <p:sldSz cx="9144000" cy="6858000" type="screen4x3"/>
   <p:notesSz cx="6858000" cy="9144000"/>
@@ -108,6 +114,22 @@
       </a:defRPr>
     </a:lvl9pPr>
   </p:defaultTextStyle>
+  <p:extLst>
+    <p:ext uri="{EFAFB233-063F-42B5-8137-9DF3F51BA10A}">
+      <p15:sldGuideLst xmlns:p15="http://schemas.microsoft.com/office/powerpoint/2012/main">
+        <p15:guide id="1" orient="horz" pos="2160">
+          <p15:clr>
+            <a:srgbClr val="A4A3A4"/>
+          </p15:clr>
+        </p15:guide>
+        <p15:guide id="2" pos="2880">
+          <p15:clr>
+            <a:srgbClr val="A4A3A4"/>
+          </p15:clr>
+        </p15:guide>
+      </p15:sldGuideLst>
+    </p:ext>
+  </p:extLst>
 </p:presentation>
 </file>
 
@@ -293,7 +315,7 @@
             <a:fld id="{2E700DB3-DBF0-4086-B675-117E7A9610B8}" type="datetimeFigureOut">
               <a:rPr lang="pt-BR" smtClean="0"/>
               <a:pPr/>
-              <a:t>16/05/2025</a:t>
+              <a:t>26/05/2025</a:t>
             </a:fld>
             <a:endParaRPr lang="pt-BR"/>
           </a:p>
@@ -460,7 +482,7 @@
             <a:fld id="{2E700DB3-DBF0-4086-B675-117E7A9610B8}" type="datetimeFigureOut">
               <a:rPr lang="pt-BR" smtClean="0"/>
               <a:pPr/>
-              <a:t>16/05/2025</a:t>
+              <a:t>26/05/2025</a:t>
             </a:fld>
             <a:endParaRPr lang="pt-BR"/>
           </a:p>
@@ -637,7 +659,7 @@
             <a:fld id="{2E700DB3-DBF0-4086-B675-117E7A9610B8}" type="datetimeFigureOut">
               <a:rPr lang="pt-BR" smtClean="0"/>
               <a:pPr/>
-              <a:t>16/05/2025</a:t>
+              <a:t>26/05/2025</a:t>
             </a:fld>
             <a:endParaRPr lang="pt-BR"/>
           </a:p>
@@ -804,7 +826,7 @@
             <a:fld id="{2E700DB3-DBF0-4086-B675-117E7A9610B8}" type="datetimeFigureOut">
               <a:rPr lang="pt-BR" smtClean="0"/>
               <a:pPr/>
-              <a:t>16/05/2025</a:t>
+              <a:t>26/05/2025</a:t>
             </a:fld>
             <a:endParaRPr lang="pt-BR"/>
           </a:p>
@@ -1047,7 +1069,7 @@
             <a:fld id="{2E700DB3-DBF0-4086-B675-117E7A9610B8}" type="datetimeFigureOut">
               <a:rPr lang="pt-BR" smtClean="0"/>
               <a:pPr/>
-              <a:t>16/05/2025</a:t>
+              <a:t>26/05/2025</a:t>
             </a:fld>
             <a:endParaRPr lang="pt-BR"/>
           </a:p>
@@ -1332,7 +1354,7 @@
             <a:fld id="{2E700DB3-DBF0-4086-B675-117E7A9610B8}" type="datetimeFigureOut">
               <a:rPr lang="pt-BR" smtClean="0"/>
               <a:pPr/>
-              <a:t>16/05/2025</a:t>
+              <a:t>26/05/2025</a:t>
             </a:fld>
             <a:endParaRPr lang="pt-BR"/>
           </a:p>
@@ -1751,7 +1773,7 @@
             <a:fld id="{2E700DB3-DBF0-4086-B675-117E7A9610B8}" type="datetimeFigureOut">
               <a:rPr lang="pt-BR" smtClean="0"/>
               <a:pPr/>
-              <a:t>16/05/2025</a:t>
+              <a:t>26/05/2025</a:t>
             </a:fld>
             <a:endParaRPr lang="pt-BR"/>
           </a:p>
@@ -1866,7 +1888,7 @@
             <a:fld id="{2E700DB3-DBF0-4086-B675-117E7A9610B8}" type="datetimeFigureOut">
               <a:rPr lang="pt-BR" smtClean="0"/>
               <a:pPr/>
-              <a:t>16/05/2025</a:t>
+              <a:t>26/05/2025</a:t>
             </a:fld>
             <a:endParaRPr lang="pt-BR"/>
           </a:p>
@@ -1958,7 +1980,7 @@
             <a:fld id="{2E700DB3-DBF0-4086-B675-117E7A9610B8}" type="datetimeFigureOut">
               <a:rPr lang="pt-BR" smtClean="0"/>
               <a:pPr/>
-              <a:t>16/05/2025</a:t>
+              <a:t>26/05/2025</a:t>
             </a:fld>
             <a:endParaRPr lang="pt-BR"/>
           </a:p>
@@ -2232,7 +2254,7 @@
             <a:fld id="{2E700DB3-DBF0-4086-B675-117E7A9610B8}" type="datetimeFigureOut">
               <a:rPr lang="pt-BR" smtClean="0"/>
               <a:pPr/>
-              <a:t>16/05/2025</a:t>
+              <a:t>26/05/2025</a:t>
             </a:fld>
             <a:endParaRPr lang="pt-BR"/>
           </a:p>
@@ -2482,7 +2504,7 @@
             <a:fld id="{2E700DB3-DBF0-4086-B675-117E7A9610B8}" type="datetimeFigureOut">
               <a:rPr lang="pt-BR" smtClean="0"/>
               <a:pPr/>
-              <a:t>16/05/2025</a:t>
+              <a:t>26/05/2025</a:t>
             </a:fld>
             <a:endParaRPr lang="pt-BR"/>
           </a:p>
@@ -2692,7 +2714,7 @@
             <a:fld id="{2E700DB3-DBF0-4086-B675-117E7A9610B8}" type="datetimeFigureOut">
               <a:rPr lang="pt-BR" smtClean="0"/>
               <a:pPr/>
-              <a:t>16/05/2025</a:t>
+              <a:t>26/05/2025</a:t>
             </a:fld>
             <a:endParaRPr lang="pt-BR"/>
           </a:p>
@@ -3117,6 +3139,327 @@
 </p:sld>
 </file>
 
+<file path=ppt/slides/slide10.xml><?xml version="1.0" encoding="utf-8"?>
+<p:sld xmlns:a="http://schemas.openxmlformats.org/drawingml/2006/main" xmlns:r="http://schemas.openxmlformats.org/officeDocument/2006/relationships" xmlns:p="http://schemas.openxmlformats.org/presentationml/2006/main">
+  <p:cSld>
+    <p:spTree>
+      <p:nvGrpSpPr>
+        <p:cNvPr id="1" name=""/>
+        <p:cNvGrpSpPr/>
+        <p:nvPr/>
+      </p:nvGrpSpPr>
+      <p:grpSpPr>
+        <a:xfrm>
+          <a:off x="0" y="0"/>
+          <a:ext cx="0" cy="0"/>
+          <a:chOff x="0" y="0"/>
+          <a:chExt cx="0" cy="0"/>
+        </a:xfrm>
+      </p:grpSpPr>
+      <p:sp>
+        <p:nvSpPr>
+          <p:cNvPr id="2" name="Título 1"/>
+          <p:cNvSpPr>
+            <a:spLocks noGrp="1"/>
+          </p:cNvSpPr>
+          <p:nvPr>
+            <p:ph type="title"/>
+          </p:nvPr>
+        </p:nvSpPr>
+        <p:spPr/>
+        <p:txBody>
+          <a:bodyPr>
+            <a:normAutofit/>
+          </a:bodyPr>
+          <a:lstStyle/>
+          <a:p>
+            <a:r>
+              <a:rPr lang="pt-BR" dirty="0" smtClean="0"/>
+              <a:t>Exemplo</a:t>
+            </a:r>
+            <a:br>
+              <a:rPr lang="pt-BR" dirty="0" smtClean="0"/>
+            </a:br>
+            <a:r>
+              <a:rPr lang="pt-BR" sz="2000" i="1" dirty="0" err="1" smtClean="0"/>
+              <a:t>view.php</a:t>
+            </a:r>
+            <a:endParaRPr lang="pt-BR" sz="4000" i="1" dirty="0"/>
+          </a:p>
+        </p:txBody>
+      </p:sp>
+      <p:sp>
+        <p:nvSpPr>
+          <p:cNvPr id="3" name="Espaço Reservado para Conteúdo 2"/>
+          <p:cNvSpPr>
+            <a:spLocks noGrp="1"/>
+          </p:cNvSpPr>
+          <p:nvPr>
+            <p:ph idx="1"/>
+          </p:nvPr>
+        </p:nvSpPr>
+        <p:spPr>
+          <a:xfrm>
+            <a:off x="457200" y="1600200"/>
+            <a:ext cx="4474840" cy="4525963"/>
+          </a:xfrm>
+        </p:spPr>
+        <p:txBody>
+          <a:bodyPr>
+            <a:normAutofit fontScale="92500" lnSpcReduction="10000"/>
+          </a:bodyPr>
+          <a:lstStyle/>
+          <a:p>
+            <a:r>
+              <a:rPr lang="pt-BR" sz="2400" dirty="0" smtClean="0"/>
+              <a:t>No </a:t>
+            </a:r>
+            <a:r>
+              <a:rPr lang="pt-BR" sz="2400" dirty="0" err="1" smtClean="0"/>
+              <a:t>view</a:t>
+            </a:r>
+            <a:r>
+              <a:rPr lang="pt-BR" sz="2400" dirty="0" smtClean="0"/>
+              <a:t>, é instanciado um objeto </a:t>
+            </a:r>
+            <a:r>
+              <a:rPr lang="pt-BR" sz="2400" i="1" dirty="0" err="1" smtClean="0"/>
+              <a:t>control</a:t>
+            </a:r>
+            <a:r>
+              <a:rPr lang="pt-BR" sz="2400" dirty="0" smtClean="0"/>
+              <a:t>, a </a:t>
+            </a:r>
+            <a:r>
+              <a:rPr lang="pt-BR" sz="2400" dirty="0" err="1" smtClean="0"/>
+              <a:t>visãp</a:t>
+            </a:r>
+            <a:r>
+              <a:rPr lang="pt-BR" sz="2400" dirty="0" smtClean="0"/>
+              <a:t> não entra em contato direto com o modelo</a:t>
+            </a:r>
+          </a:p>
+          <a:p>
+            <a:r>
+              <a:rPr lang="pt-BR" sz="2400" dirty="0" err="1" smtClean="0"/>
+              <a:t>Atráves</a:t>
+            </a:r>
+            <a:r>
+              <a:rPr lang="pt-BR" sz="2400" dirty="0" smtClean="0"/>
+              <a:t> dessa instância, realiza as requisições necessárias, como em: </a:t>
+            </a:r>
+            <a:br>
+              <a:rPr lang="pt-BR" sz="2400" dirty="0" smtClean="0"/>
+            </a:br>
+            <a:r>
+              <a:rPr lang="pt-BR" sz="2200" i="1" dirty="0" smtClean="0"/>
+              <a:t>$</a:t>
+            </a:r>
+            <a:r>
+              <a:rPr lang="pt-BR" sz="2200" i="1" dirty="0" err="1"/>
+              <a:t>items</a:t>
+            </a:r>
+            <a:r>
+              <a:rPr lang="pt-BR" sz="2200" i="1" dirty="0"/>
+              <a:t> = $</a:t>
+            </a:r>
+            <a:r>
+              <a:rPr lang="pt-BR" sz="2200" i="1" dirty="0" err="1"/>
+              <a:t>controller</a:t>
+            </a:r>
+            <a:r>
+              <a:rPr lang="pt-BR" sz="2200" i="1" dirty="0"/>
+              <a:t>-&gt;</a:t>
+            </a:r>
+            <a:r>
+              <a:rPr lang="pt-BR" sz="2200" i="1" dirty="0" err="1"/>
+              <a:t>getItems</a:t>
+            </a:r>
+            <a:r>
+              <a:rPr lang="pt-BR" sz="2200" i="1" dirty="0" smtClean="0"/>
+              <a:t>();</a:t>
+            </a:r>
+          </a:p>
+          <a:p>
+            <a:endParaRPr lang="pt-BR" sz="2200" i="1" dirty="0"/>
+          </a:p>
+          <a:p>
+            <a:pPr marL="0" indent="0">
+              <a:buNone/>
+            </a:pPr>
+            <a:r>
+              <a:rPr lang="pt-BR" dirty="0"/>
+              <a:t/>
+            </a:r>
+            <a:br>
+              <a:rPr lang="pt-BR" dirty="0"/>
+            </a:br>
+            <a:endParaRPr lang="pt-BR" dirty="0"/>
+          </a:p>
+          <a:p>
+            <a:endParaRPr lang="pt-BR" sz="2400" dirty="0" smtClean="0"/>
+          </a:p>
+          <a:p>
+            <a:pPr marL="0" indent="0">
+              <a:buNone/>
+            </a:pPr>
+            <a:r>
+              <a:rPr lang="pt-BR" dirty="0"/>
+              <a:t/>
+            </a:r>
+            <a:br>
+              <a:rPr lang="pt-BR" dirty="0"/>
+            </a:br>
+            <a:endParaRPr lang="pt-BR" dirty="0"/>
+          </a:p>
+          <a:p>
+            <a:endParaRPr lang="pt-BR" sz="2400" dirty="0"/>
+          </a:p>
+        </p:txBody>
+      </p:sp>
+      <p:pic>
+        <p:nvPicPr>
+          <p:cNvPr id="4" name="Imagem 3"/>
+          <p:cNvPicPr>
+            <a:picLocks noChangeAspect="1"/>
+          </p:cNvPicPr>
+          <p:nvPr/>
+        </p:nvPicPr>
+        <p:blipFill>
+          <a:blip r:embed="rId2"/>
+          <a:stretch>
+            <a:fillRect/>
+          </a:stretch>
+        </p:blipFill>
+        <p:spPr>
+          <a:xfrm>
+            <a:off x="5188413" y="1665043"/>
+            <a:ext cx="3440677" cy="1239985"/>
+          </a:xfrm>
+          <a:prstGeom prst="rect">
+            <a:avLst/>
+          </a:prstGeom>
+        </p:spPr>
+      </p:pic>
+      <p:pic>
+        <p:nvPicPr>
+          <p:cNvPr id="7" name="Imagem 6"/>
+          <p:cNvPicPr>
+            <a:picLocks noChangeAspect="1"/>
+          </p:cNvPicPr>
+          <p:nvPr/>
+        </p:nvPicPr>
+        <p:blipFill>
+          <a:blip r:embed="rId3"/>
+          <a:stretch>
+            <a:fillRect/>
+          </a:stretch>
+        </p:blipFill>
+        <p:spPr>
+          <a:xfrm>
+            <a:off x="5070169" y="3284984"/>
+            <a:ext cx="3677163" cy="2429214"/>
+          </a:xfrm>
+          <a:prstGeom prst="rect">
+            <a:avLst/>
+          </a:prstGeom>
+        </p:spPr>
+      </p:pic>
+    </p:spTree>
+    <p:extLst>
+      <p:ext uri="{BB962C8B-B14F-4D97-AF65-F5344CB8AC3E}">
+        <p14:creationId xmlns:p14="http://schemas.microsoft.com/office/powerpoint/2010/main" val="3510981706"/>
+      </p:ext>
+    </p:extLst>
+  </p:cSld>
+  <p:clrMapOvr>
+    <a:masterClrMapping/>
+  </p:clrMapOvr>
+</p:sld>
+</file>
+
+<file path=ppt/slides/slide11.xml><?xml version="1.0" encoding="utf-8"?>
+<p:sld xmlns:a="http://schemas.openxmlformats.org/drawingml/2006/main" xmlns:r="http://schemas.openxmlformats.org/officeDocument/2006/relationships" xmlns:p="http://schemas.openxmlformats.org/presentationml/2006/main">
+  <p:cSld>
+    <p:spTree>
+      <p:nvGrpSpPr>
+        <p:cNvPr id="1" name=""/>
+        <p:cNvGrpSpPr/>
+        <p:nvPr/>
+      </p:nvGrpSpPr>
+      <p:grpSpPr>
+        <a:xfrm>
+          <a:off x="0" y="0"/>
+          <a:ext cx="0" cy="0"/>
+          <a:chOff x="0" y="0"/>
+          <a:chExt cx="0" cy="0"/>
+        </a:xfrm>
+      </p:grpSpPr>
+      <p:sp>
+        <p:nvSpPr>
+          <p:cNvPr id="2" name="Título 1"/>
+          <p:cNvSpPr>
+            <a:spLocks noGrp="1"/>
+          </p:cNvSpPr>
+          <p:nvPr>
+            <p:ph type="title"/>
+          </p:nvPr>
+        </p:nvSpPr>
+        <p:spPr/>
+        <p:txBody>
+          <a:bodyPr/>
+          <a:lstStyle/>
+          <a:p>
+            <a:r>
+              <a:rPr lang="pt-BR" dirty="0" smtClean="0"/>
+              <a:t>Referências Bibliográficas </a:t>
+            </a:r>
+            <a:endParaRPr lang="pt-BR" dirty="0"/>
+          </a:p>
+        </p:txBody>
+      </p:sp>
+      <p:sp>
+        <p:nvSpPr>
+          <p:cNvPr id="3" name="Espaço Reservado para Conteúdo 2"/>
+          <p:cNvSpPr>
+            <a:spLocks noGrp="1"/>
+          </p:cNvSpPr>
+          <p:nvPr>
+            <p:ph idx="1"/>
+          </p:nvPr>
+        </p:nvSpPr>
+        <p:spPr/>
+        <p:txBody>
+          <a:bodyPr>
+            <a:normAutofit/>
+          </a:bodyPr>
+          <a:lstStyle/>
+          <a:p>
+            <a:r>
+              <a:rPr lang="pt-BR" sz="1600" dirty="0" smtClean="0">
+                <a:hlinkClick r:id="rId2"/>
+              </a:rPr>
+              <a:t>https://developer.mozilla.org/en-US/docs/Glossary/MVC</a:t>
+            </a:r>
+            <a:endParaRPr lang="pt-BR" sz="1600" dirty="0" smtClean="0"/>
+          </a:p>
+          <a:p>
+            <a:r>
+              <a:rPr lang="pt-BR" sz="1600" dirty="0" smtClean="0"/>
+              <a:t>https://www.geeksforgeeks.org/benefit-of-using-mvc/</a:t>
+            </a:r>
+            <a:endParaRPr lang="pt-BR" sz="1600" dirty="0"/>
+          </a:p>
+        </p:txBody>
+      </p:sp>
+    </p:spTree>
+  </p:cSld>
+  <p:clrMapOvr>
+    <a:masterClrMapping/>
+  </p:clrMapOvr>
+</p:sld>
+</file>
+
 <file path=ppt/slides/slide2.xml><?xml version="1.0" encoding="utf-8"?>
 <p:sld xmlns:a="http://schemas.openxmlformats.org/drawingml/2006/main" xmlns:r="http://schemas.openxmlformats.org/officeDocument/2006/relationships" xmlns:p="http://schemas.openxmlformats.org/presentationml/2006/main">
   <p:cSld>
@@ -3475,7 +3818,11 @@
           <a:bodyPr/>
           <a:lstStyle/>
           <a:p>
-            <a:endParaRPr lang="pt-BR"/>
+            <a:r>
+              <a:rPr lang="pt-BR" dirty="0" smtClean="0"/>
+              <a:t>Modelo</a:t>
+            </a:r>
+            <a:endParaRPr lang="pt-BR" dirty="0"/>
           </a:p>
         </p:txBody>
       </p:sp>
@@ -3491,14 +3838,32 @@
         </p:nvSpPr>
         <p:spPr/>
         <p:txBody>
-          <a:bodyPr/>
-          <a:lstStyle/>
-          <a:p>
-            <a:endParaRPr lang="pt-BR"/>
+          <a:bodyPr>
+            <a:normAutofit/>
+          </a:bodyPr>
+          <a:lstStyle/>
+          <a:p>
+            <a:r>
+              <a:rPr lang="pt-BR" sz="2400" dirty="0"/>
+              <a:t>A camada de modelo é responsável pela lógica de dados da aplicação e pelo armazenamento e recuperação de dados de repositórios de dados de </a:t>
+            </a:r>
+            <a:r>
+              <a:rPr lang="pt-BR" sz="2400" dirty="0" err="1"/>
+              <a:t>back</a:t>
+            </a:r>
+            <a:r>
+              <a:rPr lang="pt-BR" sz="2400" dirty="0"/>
+              <a:t>-end. A camada de modelo também pode incluir mecanismos para validar dados e realizar outras tarefas relacionadas a dados. Essa camada é responsável por manter todos os aspectos dos dados e garantir sua integridade e acessibilidade.</a:t>
+            </a:r>
           </a:p>
         </p:txBody>
       </p:sp>
     </p:spTree>
+    <p:extLst>
+      <p:ext uri="{BB962C8B-B14F-4D97-AF65-F5344CB8AC3E}">
+        <p14:creationId xmlns:p14="http://schemas.microsoft.com/office/powerpoint/2010/main" val="1390359586"/>
+      </p:ext>
+    </p:extLst>
   </p:cSld>
   <p:clrMapOvr>
     <a:masterClrMapping/>
@@ -3540,7 +3905,7 @@
           <a:p>
             <a:r>
               <a:rPr lang="pt-BR" dirty="0" smtClean="0"/>
-              <a:t>Referências Bibliográficas </a:t>
+              <a:t>Visão</a:t>
             </a:r>
             <a:endParaRPr lang="pt-BR" dirty="0"/>
           </a:p>
@@ -3564,23 +3929,512 @@
           <a:lstStyle/>
           <a:p>
             <a:r>
-              <a:rPr lang="pt-BR" sz="1600" dirty="0" smtClean="0">
-                <a:hlinkClick r:id="rId2"/>
-              </a:rPr>
-              <a:t>https://developer.mozilla.org/en-US/docs/Glossary/MVC</a:t>
-            </a:r>
-            <a:endParaRPr lang="pt-BR" sz="1600" dirty="0" smtClean="0"/>
-          </a:p>
-          <a:p>
-            <a:r>
-              <a:rPr lang="pt-BR" sz="1600" dirty="0" smtClean="0"/>
-              <a:t>https://www.geeksforgeeks.org/benefit-of-using-mvc/</a:t>
-            </a:r>
-            <a:endParaRPr lang="pt-BR" sz="1600" dirty="0"/>
+              <a:rPr lang="pt-BR" sz="2400" dirty="0"/>
+              <a:t>A camada de visualização fornece a interface do usuário (IU) necessária para interagir com a aplicação. Ela inclui os componentes necessários para exibir os dados e permite que os usuários interajam com esses dados. Por exemplo, a camada de visualização pode incluir botões, links, tabelas, listas suspensas ou caixas de texto.</a:t>
+            </a:r>
           </a:p>
         </p:txBody>
       </p:sp>
     </p:spTree>
+    <p:extLst>
+      <p:ext uri="{BB962C8B-B14F-4D97-AF65-F5344CB8AC3E}">
+        <p14:creationId xmlns:p14="http://schemas.microsoft.com/office/powerpoint/2010/main" val="1306493413"/>
+      </p:ext>
+    </p:extLst>
+  </p:cSld>
+  <p:clrMapOvr>
+    <a:masterClrMapping/>
+  </p:clrMapOvr>
+</p:sld>
+</file>
+
+<file path=ppt/slides/slide6.xml><?xml version="1.0" encoding="utf-8"?>
+<p:sld xmlns:a="http://schemas.openxmlformats.org/drawingml/2006/main" xmlns:r="http://schemas.openxmlformats.org/officeDocument/2006/relationships" xmlns:p="http://schemas.openxmlformats.org/presentationml/2006/main">
+  <p:cSld>
+    <p:spTree>
+      <p:nvGrpSpPr>
+        <p:cNvPr id="1" name=""/>
+        <p:cNvGrpSpPr/>
+        <p:nvPr/>
+      </p:nvGrpSpPr>
+      <p:grpSpPr>
+        <a:xfrm>
+          <a:off x="0" y="0"/>
+          <a:ext cx="0" cy="0"/>
+          <a:chOff x="0" y="0"/>
+          <a:chExt cx="0" cy="0"/>
+        </a:xfrm>
+      </p:grpSpPr>
+      <p:sp>
+        <p:nvSpPr>
+          <p:cNvPr id="2" name="Título 1"/>
+          <p:cNvSpPr>
+            <a:spLocks noGrp="1"/>
+          </p:cNvSpPr>
+          <p:nvPr>
+            <p:ph type="title"/>
+          </p:nvPr>
+        </p:nvSpPr>
+        <p:spPr/>
+        <p:txBody>
+          <a:bodyPr/>
+          <a:lstStyle/>
+          <a:p>
+            <a:r>
+              <a:rPr lang="pt-BR" dirty="0" smtClean="0"/>
+              <a:t>Controle</a:t>
+            </a:r>
+            <a:endParaRPr lang="pt-BR" dirty="0"/>
+          </a:p>
+        </p:txBody>
+      </p:sp>
+      <p:sp>
+        <p:nvSpPr>
+          <p:cNvPr id="3" name="Espaço Reservado para Conteúdo 2"/>
+          <p:cNvSpPr>
+            <a:spLocks noGrp="1"/>
+          </p:cNvSpPr>
+          <p:nvPr>
+            <p:ph idx="1"/>
+          </p:nvPr>
+        </p:nvSpPr>
+        <p:spPr/>
+        <p:txBody>
+          <a:bodyPr>
+            <a:normAutofit/>
+          </a:bodyPr>
+          <a:lstStyle/>
+          <a:p>
+            <a:r>
+              <a:rPr lang="pt-BR" sz="2400" dirty="0"/>
+              <a:t>A camada de </a:t>
+            </a:r>
+            <a:r>
+              <a:rPr lang="pt-BR" sz="2400" dirty="0" smtClean="0"/>
+              <a:t>controle </a:t>
+            </a:r>
+            <a:r>
+              <a:rPr lang="pt-BR" sz="2400" dirty="0"/>
+              <a:t>contém a lógica da aplicação necessária para facilitar a comunicação entre a aplicação, atuando como uma interface entre as camadas de visualização e de modelo. O controlador às vezes é visto como o cérebro da aplicação, mantendo </a:t>
+            </a:r>
+            <a:r>
+              <a:rPr lang="pt-BR" sz="2400" u="sng" dirty="0"/>
+              <a:t>tudo</a:t>
+            </a:r>
+            <a:r>
+              <a:rPr lang="pt-BR" sz="2400" dirty="0"/>
+              <a:t> em movimento e sincronizado.</a:t>
+            </a:r>
+          </a:p>
+          <a:p>
+            <a:endParaRPr lang="pt-BR" sz="2400" dirty="0"/>
+          </a:p>
+        </p:txBody>
+      </p:sp>
+    </p:spTree>
+    <p:extLst>
+      <p:ext uri="{BB962C8B-B14F-4D97-AF65-F5344CB8AC3E}">
+        <p14:creationId xmlns:p14="http://schemas.microsoft.com/office/powerpoint/2010/main" val="3156707290"/>
+      </p:ext>
+    </p:extLst>
+  </p:cSld>
+  <p:clrMapOvr>
+    <a:masterClrMapping/>
+  </p:clrMapOvr>
+  <p:timing>
+    <p:tnLst>
+      <p:par>
+        <p:cTn id="1" dur="indefinite" restart="never" nodeType="tmRoot"/>
+      </p:par>
+    </p:tnLst>
+  </p:timing>
+</p:sld>
+</file>
+
+<file path=ppt/slides/slide7.xml><?xml version="1.0" encoding="utf-8"?>
+<p:sld xmlns:a="http://schemas.openxmlformats.org/drawingml/2006/main" xmlns:r="http://schemas.openxmlformats.org/officeDocument/2006/relationships" xmlns:p="http://schemas.openxmlformats.org/presentationml/2006/main">
+  <p:cSld>
+    <p:spTree>
+      <p:nvGrpSpPr>
+        <p:cNvPr id="1" name=""/>
+        <p:cNvGrpSpPr/>
+        <p:nvPr/>
+      </p:nvGrpSpPr>
+      <p:grpSpPr>
+        <a:xfrm>
+          <a:off x="0" y="0"/>
+          <a:ext cx="0" cy="0"/>
+          <a:chOff x="0" y="0"/>
+          <a:chExt cx="0" cy="0"/>
+        </a:xfrm>
+      </p:grpSpPr>
+      <p:sp>
+        <p:nvSpPr>
+          <p:cNvPr id="2" name="Título 1"/>
+          <p:cNvSpPr>
+            <a:spLocks noGrp="1"/>
+          </p:cNvSpPr>
+          <p:nvPr>
+            <p:ph type="title"/>
+          </p:nvPr>
+        </p:nvSpPr>
+        <p:spPr/>
+        <p:txBody>
+          <a:bodyPr/>
+          <a:lstStyle/>
+          <a:p>
+            <a:r>
+              <a:rPr lang="pt-BR" dirty="0" smtClean="0"/>
+              <a:t>Exemplo</a:t>
+            </a:r>
+            <a:endParaRPr lang="pt-BR" dirty="0"/>
+          </a:p>
+        </p:txBody>
+      </p:sp>
+      <p:sp>
+        <p:nvSpPr>
+          <p:cNvPr id="3" name="Espaço Reservado para Conteúdo 2"/>
+          <p:cNvSpPr>
+            <a:spLocks noGrp="1"/>
+          </p:cNvSpPr>
+          <p:nvPr>
+            <p:ph idx="1"/>
+          </p:nvPr>
+        </p:nvSpPr>
+        <p:spPr/>
+        <p:txBody>
+          <a:bodyPr>
+            <a:normAutofit/>
+          </a:bodyPr>
+          <a:lstStyle/>
+          <a:p>
+            <a:r>
+              <a:rPr lang="pt-BR" sz="2400" dirty="0" smtClean="0"/>
+              <a:t>Para um exemplo simples, utilizaremos o código contido em </a:t>
+            </a:r>
+            <a:r>
+              <a:rPr lang="pt-BR" sz="2400" b="1" dirty="0" smtClean="0"/>
+              <a:t>/scripts/</a:t>
+            </a:r>
+            <a:r>
+              <a:rPr lang="pt-BR" sz="2400" b="1" dirty="0" err="1" smtClean="0"/>
+              <a:t>mvc</a:t>
+            </a:r>
+            <a:r>
+              <a:rPr lang="pt-BR" sz="2400" b="1" dirty="0" smtClean="0"/>
+              <a:t>-exemplo</a:t>
+            </a:r>
+          </a:p>
+          <a:p>
+            <a:r>
+              <a:rPr lang="pt-BR" sz="2400" dirty="0" smtClean="0"/>
+              <a:t>O miniprojeto se trata de uma aplicação de lista simples</a:t>
+            </a:r>
+            <a:endParaRPr lang="pt-BR" sz="2400" dirty="0"/>
+          </a:p>
+        </p:txBody>
+      </p:sp>
+    </p:spTree>
+  </p:cSld>
+  <p:clrMapOvr>
+    <a:masterClrMapping/>
+  </p:clrMapOvr>
+</p:sld>
+</file>
+
+<file path=ppt/slides/slide8.xml><?xml version="1.0" encoding="utf-8"?>
+<p:sld xmlns:a="http://schemas.openxmlformats.org/drawingml/2006/main" xmlns:r="http://schemas.openxmlformats.org/officeDocument/2006/relationships" xmlns:p="http://schemas.openxmlformats.org/presentationml/2006/main">
+  <p:cSld>
+    <p:spTree>
+      <p:nvGrpSpPr>
+        <p:cNvPr id="1" name=""/>
+        <p:cNvGrpSpPr/>
+        <p:nvPr/>
+      </p:nvGrpSpPr>
+      <p:grpSpPr>
+        <a:xfrm>
+          <a:off x="0" y="0"/>
+          <a:ext cx="0" cy="0"/>
+          <a:chOff x="0" y="0"/>
+          <a:chExt cx="0" cy="0"/>
+        </a:xfrm>
+      </p:grpSpPr>
+      <p:sp>
+        <p:nvSpPr>
+          <p:cNvPr id="2" name="Título 1"/>
+          <p:cNvSpPr>
+            <a:spLocks noGrp="1"/>
+          </p:cNvSpPr>
+          <p:nvPr>
+            <p:ph type="title"/>
+          </p:nvPr>
+        </p:nvSpPr>
+        <p:spPr/>
+        <p:txBody>
+          <a:bodyPr>
+            <a:normAutofit/>
+          </a:bodyPr>
+          <a:lstStyle/>
+          <a:p>
+            <a:r>
+              <a:rPr lang="pt-BR" dirty="0" smtClean="0"/>
+              <a:t>Exemplo</a:t>
+            </a:r>
+            <a:br>
+              <a:rPr lang="pt-BR" dirty="0" smtClean="0"/>
+            </a:br>
+            <a:r>
+              <a:rPr lang="pt-BR" sz="2000" i="1" dirty="0" err="1" smtClean="0"/>
+              <a:t>model.php</a:t>
+            </a:r>
+            <a:endParaRPr lang="pt-BR" sz="4000" i="1" dirty="0"/>
+          </a:p>
+        </p:txBody>
+      </p:sp>
+      <p:sp>
+        <p:nvSpPr>
+          <p:cNvPr id="3" name="Espaço Reservado para Conteúdo 2"/>
+          <p:cNvSpPr>
+            <a:spLocks noGrp="1"/>
+          </p:cNvSpPr>
+          <p:nvPr>
+            <p:ph idx="1"/>
+          </p:nvPr>
+        </p:nvSpPr>
+        <p:spPr>
+          <a:xfrm>
+            <a:off x="457200" y="1600200"/>
+            <a:ext cx="4186808" cy="4525963"/>
+          </a:xfrm>
+        </p:spPr>
+        <p:txBody>
+          <a:bodyPr>
+            <a:normAutofit/>
+          </a:bodyPr>
+          <a:lstStyle/>
+          <a:p>
+            <a:r>
+              <a:rPr lang="pt-BR" sz="2400" dirty="0" smtClean="0"/>
+              <a:t>A classe </a:t>
+            </a:r>
+            <a:r>
+              <a:rPr lang="pt-BR" sz="2400" dirty="0" err="1" smtClean="0"/>
+              <a:t>ItemModel</a:t>
+            </a:r>
+            <a:r>
+              <a:rPr lang="pt-BR" sz="2400" dirty="0" smtClean="0"/>
+              <a:t> serve como um representação de um banco de dados, armazenando os dados da lista</a:t>
+            </a:r>
+          </a:p>
+          <a:p>
+            <a:r>
+              <a:rPr lang="pt-BR" sz="2400" dirty="0" smtClean="0"/>
+              <a:t>Ela também oferece métodos para a manipulação dessas </a:t>
+            </a:r>
+            <a:r>
+              <a:rPr lang="pt-BR" sz="2400" dirty="0" err="1" smtClean="0"/>
+              <a:t>informaçções</a:t>
+            </a:r>
+            <a:endParaRPr lang="pt-BR" sz="2400" dirty="0"/>
+          </a:p>
+        </p:txBody>
+      </p:sp>
+      <p:pic>
+        <p:nvPicPr>
+          <p:cNvPr id="4" name="Imagem 3"/>
+          <p:cNvPicPr>
+            <a:picLocks noChangeAspect="1"/>
+          </p:cNvPicPr>
+          <p:nvPr/>
+        </p:nvPicPr>
+        <p:blipFill>
+          <a:blip r:embed="rId2"/>
+          <a:stretch>
+            <a:fillRect/>
+          </a:stretch>
+        </p:blipFill>
+        <p:spPr>
+          <a:xfrm>
+            <a:off x="5220072" y="1417638"/>
+            <a:ext cx="3330534" cy="4467593"/>
+          </a:xfrm>
+          <a:prstGeom prst="rect">
+            <a:avLst/>
+          </a:prstGeom>
+        </p:spPr>
+      </p:pic>
+    </p:spTree>
+    <p:extLst>
+      <p:ext uri="{BB962C8B-B14F-4D97-AF65-F5344CB8AC3E}">
+        <p14:creationId xmlns:p14="http://schemas.microsoft.com/office/powerpoint/2010/main" val="367638315"/>
+      </p:ext>
+    </p:extLst>
+  </p:cSld>
+  <p:clrMapOvr>
+    <a:masterClrMapping/>
+  </p:clrMapOvr>
+</p:sld>
+</file>
+
+<file path=ppt/slides/slide9.xml><?xml version="1.0" encoding="utf-8"?>
+<p:sld xmlns:a="http://schemas.openxmlformats.org/drawingml/2006/main" xmlns:r="http://schemas.openxmlformats.org/officeDocument/2006/relationships" xmlns:p="http://schemas.openxmlformats.org/presentationml/2006/main">
+  <p:cSld>
+    <p:spTree>
+      <p:nvGrpSpPr>
+        <p:cNvPr id="1" name=""/>
+        <p:cNvGrpSpPr/>
+        <p:nvPr/>
+      </p:nvGrpSpPr>
+      <p:grpSpPr>
+        <a:xfrm>
+          <a:off x="0" y="0"/>
+          <a:ext cx="0" cy="0"/>
+          <a:chOff x="0" y="0"/>
+          <a:chExt cx="0" cy="0"/>
+        </a:xfrm>
+      </p:grpSpPr>
+      <p:sp>
+        <p:nvSpPr>
+          <p:cNvPr id="2" name="Título 1"/>
+          <p:cNvSpPr>
+            <a:spLocks noGrp="1"/>
+          </p:cNvSpPr>
+          <p:nvPr>
+            <p:ph type="title"/>
+          </p:nvPr>
+        </p:nvSpPr>
+        <p:spPr/>
+        <p:txBody>
+          <a:bodyPr>
+            <a:normAutofit/>
+          </a:bodyPr>
+          <a:lstStyle/>
+          <a:p>
+            <a:r>
+              <a:rPr lang="pt-BR" dirty="0" smtClean="0"/>
+              <a:t>Exemplo</a:t>
+            </a:r>
+            <a:br>
+              <a:rPr lang="pt-BR" dirty="0" smtClean="0"/>
+            </a:br>
+            <a:r>
+              <a:rPr lang="pt-BR" sz="2000" i="1" dirty="0" err="1" smtClean="0"/>
+              <a:t>control</a:t>
+            </a:r>
+            <a:r>
+              <a:rPr lang="pt-BR" sz="2000" i="1" dirty="0" err="1" smtClean="0"/>
+              <a:t>.php</a:t>
+            </a:r>
+            <a:endParaRPr lang="pt-BR" sz="4000" i="1" dirty="0"/>
+          </a:p>
+        </p:txBody>
+      </p:sp>
+      <p:sp>
+        <p:nvSpPr>
+          <p:cNvPr id="3" name="Espaço Reservado para Conteúdo 2"/>
+          <p:cNvSpPr>
+            <a:spLocks noGrp="1"/>
+          </p:cNvSpPr>
+          <p:nvPr>
+            <p:ph idx="1"/>
+          </p:nvPr>
+        </p:nvSpPr>
+        <p:spPr>
+          <a:xfrm>
+            <a:off x="457200" y="1600200"/>
+            <a:ext cx="4186808" cy="4525963"/>
+          </a:xfrm>
+        </p:spPr>
+        <p:txBody>
+          <a:bodyPr>
+            <a:normAutofit/>
+          </a:bodyPr>
+          <a:lstStyle/>
+          <a:p>
+            <a:r>
+              <a:rPr lang="pt-BR" sz="2400" dirty="0" smtClean="0"/>
+              <a:t>A classe </a:t>
+            </a:r>
+            <a:r>
+              <a:rPr lang="pt-BR" sz="2400" i="1" dirty="0" err="1" smtClean="0"/>
+              <a:t>control</a:t>
+            </a:r>
+            <a:r>
+              <a:rPr lang="pt-BR" sz="2400" dirty="0" smtClean="0"/>
+              <a:t> interage com o </a:t>
+            </a:r>
+            <a:r>
+              <a:rPr lang="pt-BR" sz="2400" dirty="0" err="1" smtClean="0"/>
+              <a:t>Model</a:t>
+            </a:r>
+            <a:r>
+              <a:rPr lang="pt-BR" sz="2400" dirty="0" smtClean="0"/>
+              <a:t>, através do ‘</a:t>
+            </a:r>
+            <a:r>
+              <a:rPr lang="pt-BR" sz="2400" i="1" dirty="0" err="1" smtClean="0"/>
+              <a:t>require_once</a:t>
+            </a:r>
+            <a:r>
+              <a:rPr lang="pt-BR" sz="2400" dirty="0" smtClean="0"/>
+              <a:t>’</a:t>
+            </a:r>
+          </a:p>
+          <a:p>
+            <a:r>
+              <a:rPr lang="pt-BR" sz="2400" dirty="0" err="1" smtClean="0"/>
+              <a:t>Control</a:t>
+            </a:r>
+            <a:r>
+              <a:rPr lang="pt-BR" sz="2400" dirty="0" smtClean="0"/>
+              <a:t> instancia um objeto </a:t>
+            </a:r>
+            <a:r>
+              <a:rPr lang="pt-BR" sz="2400" dirty="0" err="1" smtClean="0"/>
+              <a:t>Model</a:t>
+            </a:r>
+            <a:r>
+              <a:rPr lang="pt-BR" sz="2400" dirty="0"/>
+              <a:t> </a:t>
+            </a:r>
+            <a:r>
+              <a:rPr lang="pt-BR" sz="2400" dirty="0" smtClean="0"/>
+              <a:t>e através dele realiza as operações</a:t>
+            </a:r>
+            <a:endParaRPr lang="pt-BR" sz="2400" dirty="0"/>
+          </a:p>
+        </p:txBody>
+      </p:sp>
+      <p:pic>
+        <p:nvPicPr>
+          <p:cNvPr id="5" name="Imagem 4"/>
+          <p:cNvPicPr>
+            <a:picLocks noChangeAspect="1"/>
+          </p:cNvPicPr>
+          <p:nvPr/>
+        </p:nvPicPr>
+        <p:blipFill>
+          <a:blip r:embed="rId2"/>
+          <a:stretch>
+            <a:fillRect/>
+          </a:stretch>
+        </p:blipFill>
+        <p:spPr>
+          <a:xfrm>
+            <a:off x="5148064" y="1417638"/>
+            <a:ext cx="3286584" cy="4505954"/>
+          </a:xfrm>
+          <a:prstGeom prst="rect">
+            <a:avLst/>
+          </a:prstGeom>
+        </p:spPr>
+      </p:pic>
+    </p:spTree>
+    <p:extLst>
+      <p:ext uri="{BB962C8B-B14F-4D97-AF65-F5344CB8AC3E}">
+        <p14:creationId xmlns:p14="http://schemas.microsoft.com/office/powerpoint/2010/main" val="2826938890"/>
+      </p:ext>
+    </p:extLst>
   </p:cSld>
   <p:clrMapOvr>
     <a:masterClrMapping/>
